--- a/Presentation1.pptx
+++ b/Presentation1.pptx
@@ -4474,13 +4474,13 @@
         </p:nvSpPr>
         <p:spPr>
           <a:xfrm>
-            <a:off x="8229600" y="1669707"/>
-            <a:ext cx="2743200" cy="5014685"/>
+            <a:off x="8229600" y="2487168"/>
+            <a:ext cx="2743200" cy="4197224"/>
           </a:xfrm>
         </p:spPr>
         <p:txBody>
           <a:bodyPr>
-            <a:normAutofit lnSpcReduction="10000"/>
+            <a:normAutofit/>
           </a:bodyPr>
           <a:lstStyle/>
           <a:p>
@@ -4495,12 +4495,6 @@
             <a:r>
               <a:rPr lang="en-US" sz="2400" dirty="0"/>
               <a:t> space nearly twice those not on water.</a:t>
-            </a:r>
-          </a:p>
-          <a:p>
-            <a:r>
-              <a:rPr lang="en-US" sz="2400" dirty="0"/>
-              <a:t>However, the difference is far smaller when it comes to the price per square foot of the entire lot. </a:t>
             </a:r>
           </a:p>
         </p:txBody>
@@ -4609,7 +4603,12 @@
             <p:ph idx="1"/>
           </p:nvPr>
         </p:nvSpPr>
-        <p:spPr/>
+        <p:spPr>
+          <a:xfrm>
+            <a:off x="1371600" y="2286000"/>
+            <a:ext cx="9601200" cy="2822448"/>
+          </a:xfrm>
+        </p:spPr>
         <p:txBody>
           <a:bodyPr/>
           <a:lstStyle/>
@@ -4632,7 +4631,7 @@
           <a:p>
             <a:r>
               <a:rPr lang="en-US" dirty="0"/>
-              <a:t>Our final model values each square foot of living space at $121.83 meaning that for every square foot in your home, you can expect an increase in expected value of $121.83.</a:t>
+              <a:t>Our final model associates each square foot of living space with an increase of  $121.83 in the value of the home.</a:t>
             </a:r>
           </a:p>
         </p:txBody>
@@ -4750,7 +4749,7 @@
             <a:pPr lvl="1"/>
             <a:r>
               <a:rPr lang="en-US" dirty="0"/>
-              <a:t>Quality of your home (Condition, Grade on King County’s 13 point system)</a:t>
+              <a:t>Quality of your home (Condition, Grade on King County’s 13 point system</a:t>
             </a:r>
           </a:p>
           <a:p>
@@ -4769,7 +4768,7 @@
           <a:p>
             <a:r>
               <a:rPr lang="en-US" dirty="0"/>
-              <a:t>It should be noted that our model tends to underestimate the price of low value homes (below $400,000) and over estimate the value of high value homes (over $1,000,000).</a:t>
+              <a:t>It should be noted that our model tends to overestimate the price of low value homes (below $400,000) and underestimate the value of high value homes (over $1,000,000).</a:t>
             </a:r>
           </a:p>
           <a:p>

--- a/Presentation1.pptx
+++ b/Presentation1.pptx
@@ -10,8 +10,9 @@
     <p:sldId id="258" r:id="rId4"/>
     <p:sldId id="260" r:id="rId5"/>
     <p:sldId id="259" r:id="rId6"/>
-    <p:sldId id="261" r:id="rId7"/>
-    <p:sldId id="262" r:id="rId8"/>
+    <p:sldId id="263" r:id="rId7"/>
+    <p:sldId id="261" r:id="rId8"/>
+    <p:sldId id="262" r:id="rId9"/>
   </p:sldIdLst>
   <p:sldSz cx="12192000" cy="6858000"/>
   <p:notesSz cx="6858000" cy="9144000"/>
@@ -110,6 +111,11 @@
       </a:defRPr>
     </a:lvl9pPr>
   </p:defaultTextStyle>
+  <p:extLst>
+    <p:ext uri="{EFAFB233-063F-42B5-8137-9DF3F51BA10A}">
+      <p15:sldGuideLst xmlns:p15="http://schemas.microsoft.com/office/powerpoint/2012/main"/>
+    </p:ext>
+  </p:extLst>
 </p:presentation>
 </file>
 
@@ -282,7 +288,7 @@
           <a:p>
             <a:fld id="{9AB3A824-1A51-4B26-AD58-A6D8E14F6C04}" type="datetimeFigureOut">
               <a:rPr lang="en-US" smtClean="0"/>
-              <a:t>2/20/19</a:t>
+              <a:t>2/21/19</a:t>
             </a:fld>
             <a:endParaRPr lang="en-US" dirty="0"/>
           </a:p>
@@ -617,7 +623,7 @@
           <a:p>
             <a:fld id="{D857E33E-8B18-4087-B112-809917729534}" type="datetimeFigureOut">
               <a:rPr lang="en-US" smtClean="0"/>
-              <a:t>2/20/19</a:t>
+              <a:t>2/21/19</a:t>
             </a:fld>
             <a:endParaRPr lang="en-US" dirty="0"/>
           </a:p>
@@ -802,7 +808,7 @@
           <a:p>
             <a:fld id="{D3FFE419-2371-464F-8239-3959401C3561}" type="datetimeFigureOut">
               <a:rPr lang="en-US" smtClean="0"/>
-              <a:t>2/20/19</a:t>
+              <a:t>2/21/19</a:t>
             </a:fld>
             <a:endParaRPr lang="en-US" dirty="0"/>
           </a:p>
@@ -977,7 +983,7 @@
           <a:p>
             <a:fld id="{97D162C4-EDD9-4389-A98B-B87ECEA2A816}" type="datetimeFigureOut">
               <a:rPr lang="en-US" smtClean="0"/>
-              <a:t>2/20/19</a:t>
+              <a:t>2/21/19</a:t>
             </a:fld>
             <a:endParaRPr lang="en-US" dirty="0"/>
           </a:p>
@@ -1259,7 +1265,7 @@
           <a:p>
             <a:fld id="{3E5059C3-6A89-4494-99FF-5A4D6FFD50EB}" type="datetimeFigureOut">
               <a:rPr lang="en-US" smtClean="0"/>
-              <a:t>2/20/19</a:t>
+              <a:t>2/21/19</a:t>
             </a:fld>
             <a:endParaRPr lang="en-US" dirty="0"/>
           </a:p>
@@ -1658,7 +1664,7 @@
           <a:p>
             <a:fld id="{CA954B2F-12DE-47F5-8894-472B206D2E1E}" type="datetimeFigureOut">
               <a:rPr lang="en-US" smtClean="0"/>
-              <a:t>2/20/19</a:t>
+              <a:t>2/21/19</a:t>
             </a:fld>
             <a:endParaRPr lang="en-US" dirty="0"/>
           </a:p>
@@ -2140,7 +2146,7 @@
           <a:p>
             <a:fld id="{3F30E46F-7819-4ACF-B48B-48222C2ACC88}" type="datetimeFigureOut">
               <a:rPr lang="en-US" smtClean="0"/>
-              <a:t>2/20/19</a:t>
+              <a:t>2/21/19</a:t>
             </a:fld>
             <a:endParaRPr lang="en-US" dirty="0"/>
           </a:p>
@@ -2263,7 +2269,7 @@
           <a:p>
             <a:fld id="{1FAF3416-4057-4DAA-829D-4CA07428D088}" type="datetimeFigureOut">
               <a:rPr lang="en-US" smtClean="0"/>
-              <a:t>2/20/19</a:t>
+              <a:t>2/21/19</a:t>
             </a:fld>
             <a:endParaRPr lang="en-US" dirty="0"/>
           </a:p>
@@ -2363,7 +2369,7 @@
           <a:p>
             <a:fld id="{921D9284-D300-4297-87F7-E791DCC15DB1}" type="datetimeFigureOut">
               <a:rPr lang="en-US" smtClean="0"/>
-              <a:t>2/20/19</a:t>
+              <a:t>2/21/19</a:t>
             </a:fld>
             <a:endParaRPr lang="en-US" dirty="0"/>
           </a:p>
@@ -2714,7 +2720,7 @@
           <a:p>
             <a:fld id="{37D525BB-DA17-4BA0-B3C8-3AC3ABC827E6}" type="datetimeFigureOut">
               <a:rPr lang="en-US" smtClean="0"/>
-              <a:t>2/20/19</a:t>
+              <a:t>2/21/19</a:t>
             </a:fld>
             <a:endParaRPr lang="en-US" dirty="0"/>
           </a:p>
@@ -3107,7 +3113,7 @@
           <a:p>
             <a:fld id="{3CBC1C18-307B-4F68-A007-B5B542270E8D}" type="datetimeFigureOut">
               <a:rPr lang="en-US" smtClean="0"/>
-              <a:t>2/20/19</a:t>
+              <a:t>2/21/19</a:t>
             </a:fld>
             <a:endParaRPr lang="en-US" dirty="0"/>
           </a:p>
@@ -3392,7 +3398,7 @@
           <a:p>
             <a:fld id="{3CBC1C18-307B-4F68-A007-B5B542270E8D}" type="datetimeFigureOut">
               <a:rPr lang="en-US" smtClean="0"/>
-              <a:t>2/20/19</a:t>
+              <a:t>2/21/19</a:t>
             </a:fld>
             <a:endParaRPr lang="en-US" dirty="0"/>
           </a:p>
@@ -4564,7 +4570,7 @@
           <p:cNvPr id="2" name="Title 1">
             <a:extLst>
               <a:ext uri="{FF2B5EF4-FFF2-40B4-BE49-F238E27FC236}">
-                <a16:creationId xmlns:a16="http://schemas.microsoft.com/office/drawing/2014/main" id="{150B5323-BB96-D444-B255-0BD2524A74D8}"/>
+                <a16:creationId xmlns:a16="http://schemas.microsoft.com/office/drawing/2014/main" id="{3E347AF7-D3C7-F443-8BD0-971EA16246D4}"/>
               </a:ext>
             </a:extLst>
           </p:cNvPr>
@@ -4582,7 +4588,7 @@
           <a:p>
             <a:r>
               <a:rPr lang="en-US" dirty="0"/>
-              <a:t>Results – How big is your house?</a:t>
+              <a:t>Results- When should you sell?</a:t>
             </a:r>
           </a:p>
         </p:txBody>
@@ -4592,7 +4598,7 @@
           <p:cNvPr id="3" name="Content Placeholder 2">
             <a:extLst>
               <a:ext uri="{FF2B5EF4-FFF2-40B4-BE49-F238E27FC236}">
-                <a16:creationId xmlns:a16="http://schemas.microsoft.com/office/drawing/2014/main" id="{C7EBBC03-201A-9F4E-A8D4-B2BFC1B20DF9}"/>
+                <a16:creationId xmlns:a16="http://schemas.microsoft.com/office/drawing/2014/main" id="{8A005598-B8F6-B44C-B587-F26FE61C9C63}"/>
               </a:ext>
             </a:extLst>
           </p:cNvPr>
@@ -4605,41 +4611,57 @@
         </p:nvSpPr>
         <p:spPr>
           <a:xfrm>
-            <a:off x="1371600" y="2286000"/>
-            <a:ext cx="9601200" cy="2822448"/>
-          </a:xfrm>
-        </p:spPr>
-        <p:txBody>
-          <a:bodyPr/>
+            <a:off x="8902460" y="1877568"/>
+            <a:ext cx="2984740" cy="3989832"/>
+          </a:xfrm>
+        </p:spPr>
+        <p:txBody>
+          <a:bodyPr>
+            <a:normAutofit/>
+          </a:bodyPr>
           <a:lstStyle/>
           <a:p>
             <a:r>
-              <a:rPr lang="en-US" dirty="0"/>
-              <a:t>How large your house is pretty well correlated to the price of your house.</a:t>
-            </a:r>
-          </a:p>
-          <a:p>
-            <a:pPr lvl="1"/>
-            <a:r>
-              <a:rPr lang="en-US" dirty="0"/>
-              <a:t>However: it is important to note that this is true of the size of the living space of your home, and not the plot of your land.</a:t>
-            </a:r>
-          </a:p>
-          <a:p>
-            <a:endParaRPr lang="en-US" dirty="0"/>
-          </a:p>
-          <a:p>
-            <a:r>
-              <a:rPr lang="en-US" dirty="0"/>
-              <a:t>Our final model associates each square foot of living space with an increase of  $121.83 in the value of the home.</a:t>
-            </a:r>
-          </a:p>
-        </p:txBody>
-      </p:sp>
+              <a:rPr lang="en-US" sz="2800" dirty="0"/>
+              <a:t>Top average sales prices were found to occur between March and July of the year. </a:t>
+            </a:r>
+          </a:p>
+        </p:txBody>
+      </p:sp>
+      <p:pic>
+        <p:nvPicPr>
+          <p:cNvPr id="4" name="Picture 3">
+            <a:extLst>
+              <a:ext uri="{FF2B5EF4-FFF2-40B4-BE49-F238E27FC236}">
+                <a16:creationId xmlns:a16="http://schemas.microsoft.com/office/drawing/2014/main" id="{B8F17B97-4AB4-CE41-BD0A-3BB0106E8A89}"/>
+              </a:ext>
+            </a:extLst>
+          </p:cNvPr>
+          <p:cNvPicPr>
+            <a:picLocks noChangeAspect="1"/>
+          </p:cNvPicPr>
+          <p:nvPr/>
+        </p:nvPicPr>
+        <p:blipFill>
+          <a:blip r:embed="rId2"/>
+          <a:stretch>
+            <a:fillRect/>
+          </a:stretch>
+        </p:blipFill>
+        <p:spPr>
+          <a:xfrm>
+            <a:off x="1219200" y="1399476"/>
+            <a:ext cx="7269312" cy="4852678"/>
+          </a:xfrm>
+          <a:prstGeom prst="rect">
+            <a:avLst/>
+          </a:prstGeom>
+        </p:spPr>
+      </p:pic>
     </p:spTree>
     <p:extLst>
       <p:ext uri="{BB962C8B-B14F-4D97-AF65-F5344CB8AC3E}">
-        <p14:creationId xmlns:p14="http://schemas.microsoft.com/office/powerpoint/2010/main" val="917480517"/>
+        <p14:creationId xmlns:p14="http://schemas.microsoft.com/office/powerpoint/2010/main" val="2463631888"/>
       </p:ext>
     </p:extLst>
   </p:cSld>
@@ -4671,6 +4693,113 @@
           <p:cNvPr id="2" name="Title 1">
             <a:extLst>
               <a:ext uri="{FF2B5EF4-FFF2-40B4-BE49-F238E27FC236}">
+                <a16:creationId xmlns:a16="http://schemas.microsoft.com/office/drawing/2014/main" id="{150B5323-BB96-D444-B255-0BD2524A74D8}"/>
+              </a:ext>
+            </a:extLst>
+          </p:cNvPr>
+          <p:cNvSpPr>
+            <a:spLocks noGrp="1"/>
+          </p:cNvSpPr>
+          <p:nvPr>
+            <p:ph type="title"/>
+          </p:nvPr>
+        </p:nvSpPr>
+        <p:spPr/>
+        <p:txBody>
+          <a:bodyPr/>
+          <a:lstStyle/>
+          <a:p>
+            <a:r>
+              <a:rPr lang="en-US" dirty="0"/>
+              <a:t>Results – How big is your house?</a:t>
+            </a:r>
+          </a:p>
+        </p:txBody>
+      </p:sp>
+      <p:sp>
+        <p:nvSpPr>
+          <p:cNvPr id="3" name="Content Placeholder 2">
+            <a:extLst>
+              <a:ext uri="{FF2B5EF4-FFF2-40B4-BE49-F238E27FC236}">
+                <a16:creationId xmlns:a16="http://schemas.microsoft.com/office/drawing/2014/main" id="{C7EBBC03-201A-9F4E-A8D4-B2BFC1B20DF9}"/>
+              </a:ext>
+            </a:extLst>
+          </p:cNvPr>
+          <p:cNvSpPr>
+            <a:spLocks noGrp="1"/>
+          </p:cNvSpPr>
+          <p:nvPr>
+            <p:ph idx="1"/>
+          </p:nvPr>
+        </p:nvSpPr>
+        <p:spPr>
+          <a:xfrm>
+            <a:off x="1371600" y="2286000"/>
+            <a:ext cx="9601200" cy="2822448"/>
+          </a:xfrm>
+        </p:spPr>
+        <p:txBody>
+          <a:bodyPr/>
+          <a:lstStyle/>
+          <a:p>
+            <a:r>
+              <a:rPr lang="en-US" dirty="0"/>
+              <a:t>How large your house is pretty well correlated to the price of your house.</a:t>
+            </a:r>
+          </a:p>
+          <a:p>
+            <a:pPr lvl="1"/>
+            <a:r>
+              <a:rPr lang="en-US" dirty="0"/>
+              <a:t>However: it is important to note that this is true of the size of the living space of your home, and not the plot of your land.</a:t>
+            </a:r>
+          </a:p>
+          <a:p>
+            <a:endParaRPr lang="en-US" dirty="0"/>
+          </a:p>
+          <a:p>
+            <a:r>
+              <a:rPr lang="en-US" dirty="0"/>
+              <a:t>Our final model associates each square foot of living space with an increase of  $118.01 in the value of the home.</a:t>
+            </a:r>
+          </a:p>
+        </p:txBody>
+      </p:sp>
+    </p:spTree>
+    <p:extLst>
+      <p:ext uri="{BB962C8B-B14F-4D97-AF65-F5344CB8AC3E}">
+        <p14:creationId xmlns:p14="http://schemas.microsoft.com/office/powerpoint/2010/main" val="917480517"/>
+      </p:ext>
+    </p:extLst>
+  </p:cSld>
+  <p:clrMapOvr>
+    <a:masterClrMapping/>
+  </p:clrMapOvr>
+</p:sld>
+</file>
+
+<file path=ppt/slides/slide8.xml><?xml version="1.0" encoding="utf-8"?>
+<p:sld xmlns:a="http://schemas.openxmlformats.org/drawingml/2006/main" xmlns:r="http://schemas.openxmlformats.org/officeDocument/2006/relationships" xmlns:p="http://schemas.openxmlformats.org/presentationml/2006/main">
+  <p:cSld>
+    <p:spTree>
+      <p:nvGrpSpPr>
+        <p:cNvPr id="1" name=""/>
+        <p:cNvGrpSpPr/>
+        <p:nvPr/>
+      </p:nvGrpSpPr>
+      <p:grpSpPr>
+        <a:xfrm>
+          <a:off x="0" y="0"/>
+          <a:ext cx="0" cy="0"/>
+          <a:chOff x="0" y="0"/>
+          <a:chExt cx="0" cy="0"/>
+        </a:xfrm>
+      </p:grpSpPr>
+      <p:sp>
+        <p:nvSpPr>
+          <p:cNvPr id="2" name="Title 1">
+            <a:extLst>
+              <a:ext uri="{FF2B5EF4-FFF2-40B4-BE49-F238E27FC236}">
                 <a16:creationId xmlns:a16="http://schemas.microsoft.com/office/drawing/2014/main" id="{44976F2B-8064-DF4B-A99E-9E453EACC659}"/>
               </a:ext>
             </a:extLst>
@@ -4718,7 +4847,7 @@
         <p:spPr>
           <a:xfrm>
             <a:off x="1295400" y="2097024"/>
-            <a:ext cx="9601200" cy="4258056"/>
+            <a:ext cx="9601200" cy="3267456"/>
           </a:xfrm>
         </p:spPr>
         <p:txBody>
@@ -4727,7 +4856,13 @@
           <a:p>
             <a:r>
               <a:rPr lang="en-US" dirty="0"/>
-              <a:t>When looking at the price of your home, 3 things you should be looking at are:</a:t>
+              <a:t>If you can, try to put your home on the market before the spring/early summer times. This is when you are most likely to sell at the highest price</a:t>
+            </a:r>
+          </a:p>
+          <a:p>
+            <a:r>
+              <a:rPr lang="en-US" dirty="0"/>
+              <a:t>When looking to price your home, 3 things you should be looking at are:</a:t>
             </a:r>
           </a:p>
           <a:p>
@@ -4760,15 +4895,9 @@
             </a:r>
           </a:p>
           <a:p>
-            <a:pPr marL="0" indent="0">
-              <a:buNone/>
-            </a:pPr>
-            <a:endParaRPr lang="en-US" dirty="0"/>
-          </a:p>
-          <a:p>
             <a:r>
               <a:rPr lang="en-US" dirty="0"/>
-              <a:t>It should be noted that our model tends to overestimate the price of low value homes (below $400,000) and underestimate the value of high value homes (over $1,000,000).</a:t>
+              <a:t>It should be noted that our model tends to underestimate the value of high value homes (over $1,000,000)</a:t>
             </a:r>
           </a:p>
           <a:p>
